--- a/family_Doctor/Chumphon_family_doctor.pptx
+++ b/family_Doctor/Chumphon_family_doctor.pptx
@@ -11536,7 +11536,7 @@
           <a:p>
             <a:fld id="{17B1B057-A234-49BB-940A-DD26AE46021A}" type="datetimeFigureOut">
               <a:rPr lang="th-TH" smtClean="0"/>
-              <a:t>13/12/61</a:t>
+              <a:t>14/12/61</a:t>
             </a:fld>
             <a:endParaRPr lang="th-TH"/>
           </a:p>
@@ -16136,12 +16136,18 @@
         </p:blipFill>
         <p:spPr>
           <a:xfrm>
-            <a:off x="633594" y="532492"/>
-            <a:ext cx="696214" cy="1207496"/>
+            <a:off x="570478" y="390789"/>
+            <a:ext cx="841032" cy="1458665"/>
           </a:xfrm>
           <a:prstGeom prst="rect">
             <a:avLst/>
           </a:prstGeom>
+          <a:ln>
+            <a:noFill/>
+          </a:ln>
+          <a:effectLst>
+            <a:softEdge rad="112500"/>
+          </a:effectLst>
         </p:spPr>
       </p:pic>
     </p:spTree>
@@ -17441,7 +17447,7 @@
         </p:nvSpPr>
         <p:spPr>
           <a:xfrm>
-            <a:off x="2366637" y="1945438"/>
+            <a:off x="2366637" y="2373277"/>
             <a:ext cx="2849843" cy="1781152"/>
           </a:xfrm>
           <a:prstGeom prst="swooshArrow">
@@ -17487,7 +17493,7 @@
         </p:nvSpPr>
         <p:spPr>
           <a:xfrm>
-            <a:off x="3921780" y="2412099"/>
+            <a:off x="3921780" y="2839938"/>
             <a:ext cx="1139937" cy="1314490"/>
           </a:xfrm>
           <a:custGeom>
@@ -17670,11 +17676,15 @@
             <a:graphicFrameLocks noChangeAspect="1"/>
           </p:cNvGraphicFramePr>
           <p:nvPr>
-            <p:extLst/>
+            <p:extLst>
+              <p:ext uri="{D42A27DB-BD31-4B8C-83A1-F6EECF244321}">
+                <p14:modId xmlns:p14="http://schemas.microsoft.com/office/powerpoint/2010/main" val="1118934734"/>
+              </p:ext>
+            </p:extLst>
           </p:nvPr>
         </p:nvGraphicFramePr>
         <p:xfrm>
-          <a:off x="5216493" y="569311"/>
+          <a:off x="5216493" y="997150"/>
           <a:ext cx="3048000" cy="2032000"/>
         </p:xfrm>
         <a:graphic>
@@ -17691,7 +17701,7 @@
         </p:nvGrpSpPr>
         <p:grpSpPr>
           <a:xfrm>
-            <a:off x="639846" y="3945221"/>
+            <a:off x="639846" y="4373060"/>
             <a:ext cx="3048000" cy="2032000"/>
             <a:chOff x="4968765" y="1397000"/>
             <a:chExt cx="3048000" cy="2032000"/>
@@ -17799,7 +17809,7 @@
         </p:nvGrpSpPr>
         <p:grpSpPr>
           <a:xfrm>
-            <a:off x="6185875" y="2928484"/>
+            <a:off x="6185875" y="3356323"/>
             <a:ext cx="2236466" cy="3263504"/>
             <a:chOff x="4544768" y="1413858"/>
             <a:chExt cx="3487762" cy="5089418"/>
@@ -18086,7 +18096,7 @@
         </p:nvGrpSpPr>
         <p:grpSpPr>
           <a:xfrm>
-            <a:off x="3887839" y="2936367"/>
+            <a:off x="3887839" y="3364206"/>
             <a:ext cx="2232165" cy="3257228"/>
             <a:chOff x="898634" y="1413858"/>
             <a:chExt cx="3487762" cy="5089418"/>
@@ -18376,7 +18386,7 @@
         </p:nvSpPr>
         <p:spPr>
           <a:xfrm rot="9322822">
-            <a:off x="922770" y="1175925"/>
+            <a:off x="922770" y="1603764"/>
             <a:ext cx="1555162" cy="1555162"/>
           </a:xfrm>
           <a:prstGeom prst="circularArrow">
@@ -18434,7 +18444,7 @@
         </p:nvGrpSpPr>
         <p:grpSpPr>
           <a:xfrm>
-            <a:off x="1237569" y="2771678"/>
+            <a:off x="1237569" y="3199517"/>
             <a:ext cx="925564" cy="456131"/>
             <a:chOff x="258291" y="3010605"/>
             <a:chExt cx="2104429" cy="1052214"/>
@@ -18548,7 +18558,7 @@
         </p:nvGrpSpPr>
         <p:grpSpPr>
           <a:xfrm>
-            <a:off x="350665" y="895896"/>
+            <a:off x="350665" y="1323735"/>
             <a:ext cx="923537" cy="457200"/>
             <a:chOff x="1995785" y="1179"/>
             <a:chExt cx="2104429" cy="1052214"/>
@@ -18664,7 +18674,7 @@
         </p:nvGrpSpPr>
         <p:grpSpPr>
           <a:xfrm>
-            <a:off x="2110337" y="882505"/>
+            <a:off x="2110337" y="1310344"/>
             <a:ext cx="923542" cy="457200"/>
             <a:chOff x="3733278" y="3010605"/>
             <a:chExt cx="2104429" cy="1052214"/>
@@ -18777,7 +18787,7 @@
         </p:nvGrpSpPr>
         <p:grpSpPr>
           <a:xfrm>
-            <a:off x="1174243" y="1690452"/>
+            <a:off x="1174243" y="2118291"/>
             <a:ext cx="1052216" cy="526107"/>
             <a:chOff x="258291" y="3010605"/>
             <a:chExt cx="2104429" cy="1052214"/>
@@ -19031,7 +19041,7 @@
         </p:nvSpPr>
         <p:spPr>
           <a:xfrm>
-            <a:off x="812433" y="85196"/>
+            <a:off x="784119" y="319154"/>
             <a:ext cx="7074373" cy="677108"/>
           </a:xfrm>
           <a:prstGeom prst="rect">
@@ -21628,7 +21638,7 @@
         </p:nvSpPr>
         <p:spPr>
           <a:xfrm>
-            <a:off x="1026776" y="4890039"/>
+            <a:off x="1071538" y="4881468"/>
             <a:ext cx="6715172" cy="461665"/>
           </a:xfrm>
           <a:prstGeom prst="rect">
@@ -21737,7 +21747,7 @@
               <a:defRPr/>
             </a:pPr>
             <a:r>
-              <a:rPr kumimoji="0" lang="en-US" sz="2400" b="1" i="0" u="none" strike="noStrike" kern="0" cap="none" spc="0" normalizeH="0" baseline="0" noProof="0" dirty="0" err="1">
+              <a:rPr kumimoji="0" lang="en-US" sz="2000" b="1" i="0" u="none" strike="noStrike" kern="0" cap="none" spc="0" normalizeH="0" baseline="0" noProof="0" dirty="0">
                 <a:ln>
                   <a:noFill/>
                 </a:ln>
@@ -21750,7 +21760,7 @@
                 <a:latin typeface="TH SarabunPSK" panose="020B0500040200020003" pitchFamily="34" charset="-34"/>
                 <a:cs typeface="TH SarabunPSK" panose="020B0500040200020003" pitchFamily="34" charset="-34"/>
               </a:rPr>
-              <a:t>Accountibility</a:t>
+              <a:t>Accountability</a:t>
             </a:r>
             <a:r>
               <a:rPr kumimoji="0" lang="en-US" sz="2400" b="1" i="0" u="none" strike="noStrike" kern="0" cap="none" spc="0" normalizeH="0" baseline="0" noProof="0" dirty="0">
